--- a/Vortrag/Gruppenpräsentation Sicherheit bei Open Source Projekten.pptx
+++ b/Vortrag/Gruppenpräsentation Sicherheit bei Open Source Projekten.pptx
@@ -13,9 +13,9 @@
   <p:sldIdLst>
     <p:sldId id="600" r:id="rId2"/>
     <p:sldId id="590" r:id="rId3"/>
-    <p:sldId id="603" r:id="rId4"/>
+    <p:sldId id="605" r:id="rId4"/>
     <p:sldId id="604" r:id="rId5"/>
-    <p:sldId id="605" r:id="rId6"/>
+    <p:sldId id="611" r:id="rId6"/>
     <p:sldId id="606" r:id="rId7"/>
     <p:sldId id="607" r:id="rId8"/>
     <p:sldId id="594" r:id="rId9"/>
@@ -293,7 +293,7 @@
           <a:p>
             <a:fld id="{B77602DA-7CEE-4298-AF4B-1C87D65BAB06}" type="datetimeFigureOut">
               <a:rPr lang="de-CH" smtClean="0"/>
-              <a:t>03.12.2022</a:t>
+              <a:t>05.12.22</a:t>
             </a:fld>
             <a:endParaRPr lang="de-CH" dirty="0"/>
           </a:p>
@@ -1018,7 +1018,7 @@
           <a:bodyPr/>
           <a:lstStyle/>
           <a:p>
-            <a:endParaRPr lang="de-CH"/>
+            <a:endParaRPr lang="de-DE" dirty="0"/>
           </a:p>
         </p:txBody>
       </p:sp>
@@ -1029,7 +1029,7 @@
             <a:spLocks noGrp="1"/>
           </p:cNvSpPr>
           <p:nvPr>
-            <p:ph type="ftr" sz="quarter" idx="10"/>
+            <p:ph type="ftr" sz="quarter" idx="4"/>
           </p:nvPr>
         </p:nvSpPr>
         <p:spPr/>
@@ -1048,7 +1048,7 @@
             <a:spLocks noGrp="1"/>
           </p:cNvSpPr>
           <p:nvPr>
-            <p:ph type="sldNum" sz="quarter" idx="11"/>
+            <p:ph type="sldNum" sz="quarter" idx="5"/>
           </p:nvPr>
         </p:nvSpPr>
         <p:spPr/>
@@ -1067,7 +1067,7 @@
     </p:spTree>
     <p:extLst>
       <p:ext uri="{BB962C8B-B14F-4D97-AF65-F5344CB8AC3E}">
-        <p14:creationId xmlns:p14="http://schemas.microsoft.com/office/powerpoint/2010/main" val="1010937182"/>
+        <p14:creationId xmlns:p14="http://schemas.microsoft.com/office/powerpoint/2010/main" val="2329482882"/>
       </p:ext>
     </p:extLst>
   </p:cSld>
@@ -1273,7 +1273,7 @@
     </p:spTree>
     <p:extLst>
       <p:ext uri="{BB962C8B-B14F-4D97-AF65-F5344CB8AC3E}">
-        <p14:creationId xmlns:p14="http://schemas.microsoft.com/office/powerpoint/2010/main" val="2329482882"/>
+        <p14:creationId xmlns:p14="http://schemas.microsoft.com/office/powerpoint/2010/main" val="3134966327"/>
       </p:ext>
     </p:extLst>
   </p:cSld>
@@ -6880,136 +6880,14 @@
           <a:p>
             <a:r>
               <a:rPr lang="de-CH" dirty="0"/>
-              <a:t>Use </a:t>
-            </a:r>
-            <a:r>
-              <a:rPr lang="de-CH" dirty="0" err="1"/>
-              <a:t>of</a:t>
-            </a:r>
+              <a:t>Die Verwendung bekannter und bewährter Frameworks mindert Sicherheitsrisiken</a:t>
+            </a:r>
+          </a:p>
+          <a:p>
             <a:r>
               <a:rPr lang="de-CH" dirty="0"/>
-              <a:t> </a:t>
-            </a:r>
-            <a:r>
-              <a:rPr lang="de-CH" dirty="0" err="1"/>
-              <a:t>known</a:t>
-            </a:r>
-            <a:r>
-              <a:rPr lang="de-CH" dirty="0"/>
-              <a:t> and </a:t>
-            </a:r>
-            <a:r>
-              <a:rPr lang="de-CH" dirty="0" err="1"/>
-              <a:t>proven</a:t>
-            </a:r>
-            <a:r>
-              <a:rPr lang="de-CH" dirty="0"/>
-              <a:t> </a:t>
-            </a:r>
-            <a:r>
-              <a:rPr lang="de-CH" dirty="0" err="1"/>
-              <a:t>frameworks</a:t>
-            </a:r>
-            <a:r>
-              <a:rPr lang="de-CH" dirty="0"/>
-              <a:t> </a:t>
-            </a:r>
-            <a:r>
-              <a:rPr lang="de-CH" dirty="0" err="1"/>
-              <a:t>mitigate</a:t>
-            </a:r>
-            <a:r>
-              <a:rPr lang="de-CH" dirty="0"/>
-              <a:t> </a:t>
-            </a:r>
-            <a:r>
-              <a:rPr lang="de-CH" dirty="0" err="1"/>
-              <a:t>security</a:t>
-            </a:r>
-            <a:r>
-              <a:rPr lang="de-CH" dirty="0"/>
-              <a:t> </a:t>
-            </a:r>
-            <a:r>
-              <a:rPr lang="de-CH" dirty="0" err="1"/>
-              <a:t>risks</a:t>
-            </a:r>
-            <a:endParaRPr lang="de-CH" dirty="0"/>
-          </a:p>
-          <a:p>
-            <a:r>
-              <a:rPr lang="de-CH" dirty="0"/>
-              <a:t>Code </a:t>
-            </a:r>
-            <a:r>
-              <a:rPr lang="de-CH" dirty="0" err="1"/>
-              <a:t>reviews</a:t>
-            </a:r>
-            <a:r>
-              <a:rPr lang="de-CH" dirty="0"/>
-              <a:t> </a:t>
-            </a:r>
-            <a:r>
-              <a:rPr lang="de-CH" dirty="0" err="1"/>
-              <a:t>with</a:t>
-            </a:r>
-            <a:r>
-              <a:rPr lang="de-CH" dirty="0"/>
-              <a:t> </a:t>
-            </a:r>
-            <a:r>
-              <a:rPr lang="de-CH" dirty="0" err="1"/>
-              <a:t>security</a:t>
-            </a:r>
-            <a:r>
-              <a:rPr lang="de-CH" dirty="0"/>
-              <a:t> </a:t>
-            </a:r>
-            <a:r>
-              <a:rPr lang="de-CH" dirty="0" err="1"/>
-              <a:t>departement</a:t>
-            </a:r>
-            <a:r>
-              <a:rPr lang="de-CH" dirty="0"/>
-              <a:t> </a:t>
-            </a:r>
-            <a:r>
-              <a:rPr lang="de-CH" dirty="0" err="1"/>
-              <a:t>during</a:t>
-            </a:r>
-            <a:r>
-              <a:rPr lang="de-CH" dirty="0"/>
-              <a:t> </a:t>
-            </a:r>
-            <a:r>
-              <a:rPr lang="de-CH" dirty="0" err="1"/>
-              <a:t>later</a:t>
-            </a:r>
-            <a:r>
-              <a:rPr lang="de-CH" dirty="0"/>
-              <a:t> </a:t>
-            </a:r>
-            <a:r>
-              <a:rPr lang="de-CH" dirty="0" err="1"/>
-              <a:t>stages</a:t>
-            </a:r>
-            <a:r>
-              <a:rPr lang="de-CH" dirty="0"/>
-              <a:t> </a:t>
-            </a:r>
-            <a:r>
-              <a:rPr lang="de-CH" dirty="0" err="1"/>
-              <a:t>of</a:t>
-            </a:r>
-            <a:r>
-              <a:rPr lang="de-CH" dirty="0"/>
-              <a:t> </a:t>
-            </a:r>
-            <a:r>
-              <a:rPr lang="de-CH" dirty="0" err="1"/>
-              <a:t>developement</a:t>
-            </a:r>
-            <a:endParaRPr lang="de-CH" dirty="0"/>
+              <a:t>Code-Reviews mit der Sicherheitsabteilung in späteren Phasen der Entwicklung</a:t>
+            </a:r>
           </a:p>
           <a:p>
             <a:endParaRPr lang="de-CH" dirty="0"/>
@@ -7831,191 +7709,23 @@
                 <a:effectLst/>
                 <a:latin typeface="Arial" panose="020B0604020202020204" pitchFamily="34" charset="0"/>
               </a:rPr>
-              <a:t>OSS easy </a:t>
-            </a:r>
-            <a:r>
-              <a:rPr lang="de-CH" dirty="0" err="1">
-                <a:effectLst/>
-                <a:latin typeface="Arial" panose="020B0604020202020204" pitchFamily="34" charset="0"/>
-              </a:rPr>
-              <a:t>target</a:t>
-            </a:r>
+              <a:t>OSS leichtes Ziel, wenn es ungeschützt bleibt (offener Code)</a:t>
+            </a:r>
+          </a:p>
+          <a:p>
             <a:r>
               <a:rPr lang="de-CH" dirty="0">
                 <a:effectLst/>
                 <a:latin typeface="Arial" panose="020B0604020202020204" pitchFamily="34" charset="0"/>
               </a:rPr>
-              <a:t> </a:t>
-            </a:r>
-            <a:r>
-              <a:rPr lang="de-CH" dirty="0" err="1">
-                <a:effectLst/>
-                <a:latin typeface="Arial" panose="020B0604020202020204" pitchFamily="34" charset="0"/>
-              </a:rPr>
-              <a:t>if</a:t>
-            </a:r>
-            <a:r>
-              <a:rPr lang="de-CH" dirty="0">
-                <a:effectLst/>
-                <a:latin typeface="Arial" panose="020B0604020202020204" pitchFamily="34" charset="0"/>
-              </a:rPr>
-              <a:t> </a:t>
-            </a:r>
-            <a:r>
-              <a:rPr lang="de-CH" dirty="0" err="1">
-                <a:effectLst/>
-                <a:latin typeface="Arial" panose="020B0604020202020204" pitchFamily="34" charset="0"/>
-              </a:rPr>
-              <a:t>left</a:t>
-            </a:r>
-            <a:r>
-              <a:rPr lang="de-CH" dirty="0">
-                <a:effectLst/>
-                <a:latin typeface="Arial" panose="020B0604020202020204" pitchFamily="34" charset="0"/>
-              </a:rPr>
-              <a:t> </a:t>
-            </a:r>
-            <a:r>
-              <a:rPr lang="de-CH" dirty="0" err="1">
-                <a:effectLst/>
-                <a:latin typeface="Arial" panose="020B0604020202020204" pitchFamily="34" charset="0"/>
-              </a:rPr>
-              <a:t>unprotected</a:t>
-            </a:r>
-            <a:endParaRPr lang="de-CH" dirty="0">
-              <a:effectLst/>
-              <a:latin typeface="Arial" panose="020B0604020202020204" pitchFamily="34" charset="0"/>
-            </a:endParaRPr>
-          </a:p>
-          <a:p>
-            <a:r>
-              <a:rPr lang="de-CH" dirty="0" err="1">
-                <a:effectLst/>
-                <a:latin typeface="Arial" panose="020B0604020202020204" pitchFamily="34" charset="0"/>
-              </a:rPr>
-              <a:t>enforcing</a:t>
-            </a:r>
-            <a:r>
-              <a:rPr lang="de-CH" dirty="0">
-                <a:effectLst/>
-                <a:latin typeface="Arial" panose="020B0604020202020204" pitchFamily="34" charset="0"/>
-              </a:rPr>
-              <a:t> </a:t>
-            </a:r>
-            <a:r>
-              <a:rPr lang="de-CH" dirty="0" err="1">
-                <a:effectLst/>
-                <a:latin typeface="Arial" panose="020B0604020202020204" pitchFamily="34" charset="0"/>
-              </a:rPr>
-              <a:t>security</a:t>
-            </a:r>
-            <a:r>
-              <a:rPr lang="de-CH" dirty="0">
-                <a:effectLst/>
-                <a:latin typeface="Arial" panose="020B0604020202020204" pitchFamily="34" charset="0"/>
-              </a:rPr>
-              <a:t> </a:t>
-            </a:r>
-            <a:r>
-              <a:rPr lang="de-CH" dirty="0" err="1">
-                <a:effectLst/>
-                <a:latin typeface="Arial" panose="020B0604020202020204" pitchFamily="34" charset="0"/>
-              </a:rPr>
-              <a:t>policies</a:t>
-            </a:r>
-            <a:r>
-              <a:rPr lang="de-CH" dirty="0">
-                <a:effectLst/>
-                <a:latin typeface="Arial" panose="020B0604020202020204" pitchFamily="34" charset="0"/>
-              </a:rPr>
-              <a:t> </a:t>
-            </a:r>
-            <a:r>
-              <a:rPr lang="de-CH" dirty="0" err="1">
-                <a:effectLst/>
-                <a:latin typeface="Arial" panose="020B0604020202020204" pitchFamily="34" charset="0"/>
-              </a:rPr>
-              <a:t>throughout</a:t>
-            </a:r>
-            <a:r>
-              <a:rPr lang="de-CH" dirty="0">
-                <a:effectLst/>
-                <a:latin typeface="Arial" panose="020B0604020202020204" pitchFamily="34" charset="0"/>
-              </a:rPr>
-              <a:t> </a:t>
-            </a:r>
-            <a:r>
-              <a:rPr lang="de-CH" dirty="0" err="1">
-                <a:effectLst/>
-                <a:latin typeface="Arial" panose="020B0604020202020204" pitchFamily="34" charset="0"/>
-              </a:rPr>
-              <a:t>the</a:t>
-            </a:r>
-            <a:r>
-              <a:rPr lang="de-CH" dirty="0">
-                <a:effectLst/>
-                <a:latin typeface="Arial" panose="020B0604020202020204" pitchFamily="34" charset="0"/>
-              </a:rPr>
-              <a:t> </a:t>
-            </a:r>
-            <a:r>
-              <a:rPr lang="de-CH" dirty="0" err="1">
-                <a:effectLst/>
-                <a:latin typeface="Arial" panose="020B0604020202020204" pitchFamily="34" charset="0"/>
-              </a:rPr>
-              <a:t>software</a:t>
-            </a:r>
-            <a:r>
-              <a:rPr lang="de-CH" dirty="0">
-                <a:effectLst/>
-                <a:latin typeface="Arial" panose="020B0604020202020204" pitchFamily="34" charset="0"/>
-              </a:rPr>
-              <a:t> </a:t>
-            </a:r>
-            <a:r>
-              <a:rPr lang="de-CH" dirty="0" err="1">
-                <a:effectLst/>
-                <a:latin typeface="Arial" panose="020B0604020202020204" pitchFamily="34" charset="0"/>
-              </a:rPr>
-              <a:t>development</a:t>
-            </a:r>
-            <a:r>
-              <a:rPr lang="de-CH" dirty="0">
-                <a:effectLst/>
-                <a:latin typeface="Arial" panose="020B0604020202020204" pitchFamily="34" charset="0"/>
-              </a:rPr>
-              <a:t> </a:t>
-            </a:r>
-            <a:r>
-              <a:rPr lang="de-CH" dirty="0" err="1">
-                <a:effectLst/>
-                <a:latin typeface="Arial" panose="020B0604020202020204" pitchFamily="34" charset="0"/>
-              </a:rPr>
-              <a:t>lifecycle</a:t>
-            </a:r>
-            <a:r>
-              <a:rPr lang="de-CH" dirty="0">
-                <a:effectLst/>
-                <a:latin typeface="Arial" panose="020B0604020202020204" pitchFamily="34" charset="0"/>
-              </a:rPr>
-              <a:t> </a:t>
-            </a:r>
-          </a:p>
-          <a:p>
+              <a:t>Sicherheitsrichtlinien während des gesamten LifeCycle der Softwareentwicklung</a:t>
+            </a:r>
             <a:endParaRPr lang="de-CH" dirty="0"/>
           </a:p>
           <a:p>
             <a:r>
               <a:rPr lang="de-CH" dirty="0"/>
-              <a:t>Open </a:t>
-            </a:r>
-            <a:r>
-              <a:rPr lang="de-CH" dirty="0" err="1"/>
-              <a:t>vs</a:t>
-            </a:r>
-            <a:r>
-              <a:rPr lang="de-CH" dirty="0"/>
-              <a:t> </a:t>
+              <a:t>Open vs. </a:t>
             </a:r>
             <a:r>
               <a:rPr lang="de-CH" dirty="0" err="1"/>
@@ -8029,133 +7739,18 @@
           <a:p>
             <a:pPr lvl="1"/>
             <a:r>
-              <a:rPr lang="de-CH" dirty="0" err="1"/>
-              <a:t>Enforcing</a:t>
-            </a:r>
-            <a:r>
-              <a:rPr lang="de-CH" dirty="0"/>
-              <a:t> </a:t>
-            </a:r>
-            <a:r>
-              <a:rPr lang="de-CH" dirty="0" err="1"/>
-              <a:t>security</a:t>
-            </a:r>
-            <a:r>
-              <a:rPr lang="de-CH" dirty="0"/>
-              <a:t> </a:t>
-            </a:r>
-            <a:r>
-              <a:rPr lang="de-CH" dirty="0" err="1"/>
-              <a:t>standards</a:t>
-            </a:r>
-            <a:r>
-              <a:rPr lang="de-CH" dirty="0"/>
-              <a:t> and </a:t>
-            </a:r>
-            <a:r>
-              <a:rPr lang="de-CH" dirty="0" err="1"/>
-              <a:t>best</a:t>
-            </a:r>
-            <a:r>
-              <a:rPr lang="de-CH" dirty="0"/>
-              <a:t> </a:t>
-            </a:r>
-            <a:r>
-              <a:rPr lang="de-CH" dirty="0" err="1"/>
-              <a:t>practices</a:t>
-            </a:r>
-            <a:r>
-              <a:rPr lang="de-CH" dirty="0"/>
-              <a:t> </a:t>
-            </a:r>
-            <a:r>
-              <a:rPr lang="de-CH" dirty="0" err="1"/>
-              <a:t>during</a:t>
-            </a:r>
-            <a:r>
-              <a:rPr lang="de-CH" dirty="0"/>
-              <a:t> </a:t>
-            </a:r>
-            <a:r>
-              <a:rPr lang="de-CH" dirty="0" err="1"/>
-              <a:t>the</a:t>
-            </a:r>
-            <a:r>
-              <a:rPr lang="de-CH" dirty="0"/>
-              <a:t> </a:t>
-            </a:r>
-            <a:r>
-              <a:rPr lang="de-CH" dirty="0" err="1"/>
-              <a:t>development</a:t>
-            </a:r>
-            <a:r>
-              <a:rPr lang="de-CH" dirty="0"/>
-              <a:t> </a:t>
-            </a:r>
-            <a:r>
-              <a:rPr lang="de-CH" dirty="0" err="1"/>
-              <a:t>process</a:t>
-            </a:r>
-            <a:r>
-              <a:rPr lang="de-CH" dirty="0"/>
-              <a:t> </a:t>
-            </a:r>
-            <a:r>
-              <a:rPr lang="de-CH" dirty="0" err="1"/>
-              <a:t>have</a:t>
-            </a:r>
-            <a:r>
-              <a:rPr lang="de-CH" dirty="0"/>
-              <a:t> </a:t>
-            </a:r>
-            <a:r>
-              <a:rPr lang="de-CH" dirty="0" err="1"/>
-              <a:t>the</a:t>
-            </a:r>
-            <a:r>
-              <a:rPr lang="de-CH" dirty="0"/>
-              <a:t> </a:t>
-            </a:r>
-            <a:r>
-              <a:rPr lang="de-CH" dirty="0" err="1"/>
-              <a:t>best</a:t>
-            </a:r>
-            <a:r>
-              <a:rPr lang="de-CH" dirty="0"/>
-              <a:t> </a:t>
-            </a:r>
-            <a:r>
-              <a:rPr lang="de-CH" dirty="0" err="1"/>
-              <a:t>chance</a:t>
-            </a:r>
-            <a:r>
-              <a:rPr lang="de-CH" dirty="0"/>
-              <a:t> </a:t>
-            </a:r>
-            <a:r>
-              <a:rPr lang="de-CH" dirty="0" err="1"/>
-              <a:t>of</a:t>
-            </a:r>
-            <a:r>
-              <a:rPr lang="de-CH" dirty="0"/>
-              <a:t> </a:t>
-            </a:r>
-            <a:r>
-              <a:rPr lang="de-CH" dirty="0" err="1"/>
-              <a:t>making</a:t>
-            </a:r>
-            <a:r>
-              <a:rPr lang="de-CH" dirty="0"/>
-              <a:t> a </a:t>
-            </a:r>
-            <a:r>
-              <a:rPr lang="de-CH" dirty="0" err="1"/>
-              <a:t>software</a:t>
-            </a:r>
-            <a:r>
-              <a:rPr lang="de-CH" dirty="0"/>
-              <a:t> robust</a:t>
-            </a:r>
+              <a:rPr lang="de-DE" dirty="0"/>
+              <a:t>Sicherheitsstandards &amp; Best </a:t>
+            </a:r>
+            <a:r>
+              <a:rPr lang="de-DE"/>
+              <a:t>Practices bester </a:t>
+            </a:r>
+            <a:r>
+              <a:rPr lang="de-DE" dirty="0"/>
+              <a:t>Ansatz für robuste Software</a:t>
+            </a:r>
+            <a:endParaRPr lang="de-CH" dirty="0"/>
           </a:p>
         </p:txBody>
       </p:sp>
@@ -8407,555 +8002,205 @@
       </p:grpSpPr>
       <p:sp>
         <p:nvSpPr>
-          <p:cNvPr id="7" name="Titel 6"/>
-          <p:cNvSpPr>
-            <a:spLocks noGrp="1"/>
-          </p:cNvSpPr>
-          <p:nvPr>
-            <p:ph type="title"/>
-          </p:nvPr>
-        </p:nvSpPr>
-        <p:spPr/>
-        <p:txBody>
-          <a:bodyPr/>
-          <a:lstStyle/>
-          <a:p>
-            <a:r>
-              <a:rPr lang="de-CH" dirty="0"/>
-              <a:t>Open vs. </a:t>
-            </a:r>
-            <a:r>
-              <a:rPr lang="de-CH" dirty="0" err="1"/>
-              <a:t>Closed</a:t>
-            </a:r>
-            <a:r>
-              <a:rPr lang="de-CH"/>
-              <a:t> Source Sicherheit</a:t>
-            </a:r>
-          </a:p>
-        </p:txBody>
-      </p:sp>
-      <p:sp>
-        <p:nvSpPr>
-          <p:cNvPr id="6" name="Inhaltsplatzhalter 6">
+          <p:cNvPr id="6" name="Titel 5">
             <a:extLst>
               <a:ext uri="{FF2B5EF4-FFF2-40B4-BE49-F238E27FC236}">
-                <a16:creationId xmlns:a16="http://schemas.microsoft.com/office/drawing/2014/main" id="{8EB5A3BF-90E9-7D7F-17EF-82B1274DA34F}"/>
+                <a16:creationId xmlns:a16="http://schemas.microsoft.com/office/drawing/2014/main" id="{A8CC5B59-6DB9-4E72-92F8-A65984EF380D}"/>
               </a:ext>
             </a:extLst>
           </p:cNvPr>
-          <p:cNvSpPr txBox="1">
-            <a:spLocks/>
-          </p:cNvSpPr>
-          <p:nvPr/>
+          <p:cNvSpPr>
+            <a:spLocks noGrp="1"/>
+          </p:cNvSpPr>
+          <p:nvPr>
+            <p:ph type="title"/>
+          </p:nvPr>
         </p:nvSpPr>
         <p:spPr>
           <a:xfrm>
-            <a:off x="540000" y="2283718"/>
-            <a:ext cx="4032000" cy="2088232"/>
+            <a:off x="540000" y="676800"/>
+            <a:ext cx="7020000" cy="366126"/>
+          </a:xfrm>
+        </p:spPr>
+        <p:txBody>
+          <a:bodyPr/>
+          <a:lstStyle/>
+          <a:p>
+            <a:r>
+              <a:rPr lang="de-CH" sz="2000" dirty="0"/>
+              <a:t>Software </a:t>
+            </a:r>
+            <a:r>
+              <a:rPr lang="de-CH" sz="2000" dirty="0" err="1"/>
+              <a:t>security</a:t>
+            </a:r>
+            <a:r>
+              <a:rPr lang="de-CH" sz="2000" dirty="0"/>
+              <a:t> in OSS</a:t>
+            </a:r>
+          </a:p>
+        </p:txBody>
+      </p:sp>
+      <p:sp>
+        <p:nvSpPr>
+          <p:cNvPr id="7" name="Inhaltsplatzhalter 6">
+            <a:extLst>
+              <a:ext uri="{FF2B5EF4-FFF2-40B4-BE49-F238E27FC236}">
+                <a16:creationId xmlns:a16="http://schemas.microsoft.com/office/drawing/2014/main" id="{F1099394-CDAA-4FEE-93E2-C5CF2F5A1B51}"/>
+              </a:ext>
+            </a:extLst>
+          </p:cNvPr>
+          <p:cNvSpPr>
+            <a:spLocks noGrp="1"/>
+          </p:cNvSpPr>
+          <p:nvPr>
+            <p:ph sz="half" idx="22"/>
+          </p:nvPr>
+        </p:nvSpPr>
+        <p:spPr>
+          <a:xfrm>
+            <a:off x="540000" y="1491629"/>
+            <a:ext cx="5040112" cy="3510939"/>
+          </a:xfrm>
+        </p:spPr>
+        <p:txBody>
+          <a:bodyPr/>
+          <a:lstStyle/>
+          <a:p>
+            <a:pPr marL="6350" indent="0">
+              <a:buNone/>
+            </a:pPr>
+            <a:endParaRPr lang="de-CH" dirty="0"/>
+          </a:p>
+          <a:p>
+            <a:pPr marL="6350" indent="0">
+              <a:buNone/>
+            </a:pPr>
+            <a:endParaRPr lang="de-CH" dirty="0"/>
+          </a:p>
+          <a:p>
+            <a:pPr marL="6350" indent="0">
+              <a:buNone/>
+            </a:pPr>
+            <a:endParaRPr lang="de-CH" dirty="0"/>
+          </a:p>
+          <a:p>
+            <a:pPr marL="6350" indent="0">
+              <a:buNone/>
+            </a:pPr>
+            <a:r>
+              <a:rPr lang="de-CH" dirty="0"/>
+              <a:t>«Given </a:t>
+            </a:r>
+            <a:r>
+              <a:rPr lang="de-CH" dirty="0" err="1"/>
+              <a:t>enough</a:t>
+            </a:r>
+            <a:r>
+              <a:rPr lang="de-CH" dirty="0"/>
+              <a:t> </a:t>
+            </a:r>
+            <a:r>
+              <a:rPr lang="de-CH" dirty="0" err="1"/>
+              <a:t>eyeballs</a:t>
+            </a:r>
+            <a:r>
+              <a:rPr lang="de-CH" dirty="0"/>
+              <a:t>, all </a:t>
+            </a:r>
+            <a:r>
+              <a:rPr lang="de-CH" dirty="0" err="1"/>
+              <a:t>bugs</a:t>
+            </a:r>
+            <a:r>
+              <a:rPr lang="de-CH" dirty="0"/>
+              <a:t> </a:t>
+            </a:r>
+            <a:r>
+              <a:rPr lang="de-CH" dirty="0" err="1"/>
+              <a:t>are</a:t>
+            </a:r>
+            <a:r>
+              <a:rPr lang="de-CH" dirty="0"/>
+              <a:t> </a:t>
+            </a:r>
+            <a:r>
+              <a:rPr lang="de-CH" dirty="0" err="1"/>
+              <a:t>shallow</a:t>
+            </a:r>
+            <a:r>
+              <a:rPr lang="de-CH" dirty="0"/>
+              <a:t>»</a:t>
+            </a:r>
+          </a:p>
+          <a:p>
+            <a:pPr marL="6350" indent="0">
+              <a:buNone/>
+            </a:pPr>
+            <a:endParaRPr lang="de-CH" dirty="0"/>
+          </a:p>
+          <a:p>
+            <a:pPr marL="6350" indent="0">
+              <a:buNone/>
+            </a:pPr>
+            <a:r>
+              <a:rPr lang="de-CH" dirty="0"/>
+              <a:t>- Eric S. Raymond </a:t>
+            </a:r>
+          </a:p>
+        </p:txBody>
+      </p:sp>
+      <p:pic>
+        <p:nvPicPr>
+          <p:cNvPr id="2" name="Picture 2">
+            <a:extLst>
+              <a:ext uri="{FF2B5EF4-FFF2-40B4-BE49-F238E27FC236}">
+                <a16:creationId xmlns:a16="http://schemas.microsoft.com/office/drawing/2014/main" id="{5AEAE062-F32C-C64C-F98B-9ED9A71DB128}"/>
+              </a:ext>
+            </a:extLst>
+          </p:cNvPr>
+          <p:cNvPicPr>
+            <a:picLocks noChangeAspect="1" noChangeArrowheads="1"/>
+          </p:cNvPicPr>
+          <p:nvPr/>
+        </p:nvPicPr>
+        <p:blipFill>
+          <a:blip r:embed="rId3">
+            <a:extLst>
+              <a:ext uri="{28A0092B-C50C-407E-A947-70E740481C1C}">
+                <a14:useLocalDpi xmlns:a14="http://schemas.microsoft.com/office/drawing/2010/main" val="0"/>
+              </a:ext>
+            </a:extLst>
+          </a:blip>
+          <a:srcRect/>
+          <a:stretch>
+            <a:fillRect/>
+          </a:stretch>
+        </p:blipFill>
+        <p:spPr bwMode="auto">
+          <a:xfrm>
+            <a:off x="5580112" y="2298986"/>
+            <a:ext cx="3290209" cy="2471014"/>
           </a:xfrm>
           <a:prstGeom prst="rect">
             <a:avLst/>
           </a:prstGeom>
+          <a:noFill/>
+          <a:extLst>
+            <a:ext uri="{909E8E84-426E-40DD-AFC4-6F175D3DCCD1}">
+              <a14:hiddenFill xmlns:a14="http://schemas.microsoft.com/office/drawing/2010/main">
+                <a:solidFill>
+                  <a:srgbClr val="FFFFFF"/>
+                </a:solidFill>
+              </a14:hiddenFill>
+            </a:ext>
+          </a:extLst>
         </p:spPr>
-        <p:txBody>
-          <a:bodyPr/>
-          <a:lstStyle>
-            <a:lvl1pPr marL="0" indent="0" algn="l" defTabSz="914377" rtl="0" eaLnBrk="1" latinLnBrk="0" hangingPunct="1">
-              <a:lnSpc>
-                <a:spcPct val="90000"/>
-              </a:lnSpc>
-              <a:spcBef>
-                <a:spcPts val="1000"/>
-              </a:spcBef>
-              <a:buFont typeface="Arial" panose="020B0604020202020204" pitchFamily="34" charset="0"/>
-              <a:buNone/>
-              <a:defRPr sz="2800" kern="1200">
-                <a:solidFill>
-                  <a:schemeClr val="tx1"/>
-                </a:solidFill>
-                <a:latin typeface="+mn-lt"/>
-                <a:ea typeface="+mn-ea"/>
-                <a:cs typeface="+mn-cs"/>
-              </a:defRPr>
-            </a:lvl1pPr>
-            <a:lvl2pPr marL="685783" indent="-228594" algn="l" defTabSz="914377" rtl="0" eaLnBrk="1" latinLnBrk="0" hangingPunct="1">
-              <a:lnSpc>
-                <a:spcPct val="90000"/>
-              </a:lnSpc>
-              <a:spcBef>
-                <a:spcPts val="500"/>
-              </a:spcBef>
-              <a:buFont typeface="Arial" panose="020B0604020202020204" pitchFamily="34" charset="0"/>
-              <a:buChar char="•"/>
-              <a:defRPr sz="2400" kern="1200">
-                <a:solidFill>
-                  <a:schemeClr val="tx1"/>
-                </a:solidFill>
-                <a:latin typeface="+mn-lt"/>
-                <a:ea typeface="+mn-ea"/>
-                <a:cs typeface="+mn-cs"/>
-              </a:defRPr>
-            </a:lvl2pPr>
-            <a:lvl3pPr marL="1142971" indent="-228594" algn="l" defTabSz="914377" rtl="0" eaLnBrk="1" latinLnBrk="0" hangingPunct="1">
-              <a:lnSpc>
-                <a:spcPct val="90000"/>
-              </a:lnSpc>
-              <a:spcBef>
-                <a:spcPts val="500"/>
-              </a:spcBef>
-              <a:buFont typeface="Arial" panose="020B0604020202020204" pitchFamily="34" charset="0"/>
-              <a:buChar char="•"/>
-              <a:defRPr sz="2000" kern="1200">
-                <a:solidFill>
-                  <a:schemeClr val="tx1"/>
-                </a:solidFill>
-                <a:latin typeface="+mn-lt"/>
-                <a:ea typeface="+mn-ea"/>
-                <a:cs typeface="+mn-cs"/>
-              </a:defRPr>
-            </a:lvl3pPr>
-            <a:lvl4pPr marL="1600160" indent="-228594" algn="l" defTabSz="914377" rtl="0" eaLnBrk="1" latinLnBrk="0" hangingPunct="1">
-              <a:lnSpc>
-                <a:spcPct val="90000"/>
-              </a:lnSpc>
-              <a:spcBef>
-                <a:spcPts val="500"/>
-              </a:spcBef>
-              <a:buFont typeface="Arial" panose="020B0604020202020204" pitchFamily="34" charset="0"/>
-              <a:buChar char="•"/>
-              <a:defRPr sz="1800" kern="1200">
-                <a:solidFill>
-                  <a:schemeClr val="tx1"/>
-                </a:solidFill>
-                <a:latin typeface="+mn-lt"/>
-                <a:ea typeface="+mn-ea"/>
-                <a:cs typeface="+mn-cs"/>
-              </a:defRPr>
-            </a:lvl4pPr>
-            <a:lvl5pPr marL="2057349" indent="-228594" algn="l" defTabSz="914377" rtl="0" eaLnBrk="1" latinLnBrk="0" hangingPunct="1">
-              <a:lnSpc>
-                <a:spcPct val="90000"/>
-              </a:lnSpc>
-              <a:spcBef>
-                <a:spcPts val="500"/>
-              </a:spcBef>
-              <a:buFont typeface="Arial" panose="020B0604020202020204" pitchFamily="34" charset="0"/>
-              <a:buChar char="•"/>
-              <a:defRPr sz="1800" kern="1200">
-                <a:solidFill>
-                  <a:schemeClr val="tx1"/>
-                </a:solidFill>
-                <a:latin typeface="+mn-lt"/>
-                <a:ea typeface="+mn-ea"/>
-                <a:cs typeface="+mn-cs"/>
-              </a:defRPr>
-            </a:lvl5pPr>
-            <a:lvl6pPr marL="2514537" indent="-228594" algn="l" defTabSz="914377" rtl="0" eaLnBrk="1" latinLnBrk="0" hangingPunct="1">
-              <a:lnSpc>
-                <a:spcPct val="90000"/>
-              </a:lnSpc>
-              <a:spcBef>
-                <a:spcPts val="500"/>
-              </a:spcBef>
-              <a:buFont typeface="Arial" panose="020B0604020202020204" pitchFamily="34" charset="0"/>
-              <a:buChar char="•"/>
-              <a:defRPr sz="1800" kern="1200">
-                <a:solidFill>
-                  <a:schemeClr val="tx1"/>
-                </a:solidFill>
-                <a:latin typeface="+mn-lt"/>
-                <a:ea typeface="+mn-ea"/>
-                <a:cs typeface="+mn-cs"/>
-              </a:defRPr>
-            </a:lvl6pPr>
-            <a:lvl7pPr marL="2971726" indent="-228594" algn="l" defTabSz="914377" rtl="0" eaLnBrk="1" latinLnBrk="0" hangingPunct="1">
-              <a:lnSpc>
-                <a:spcPct val="90000"/>
-              </a:lnSpc>
-              <a:spcBef>
-                <a:spcPts val="500"/>
-              </a:spcBef>
-              <a:buFont typeface="Arial" panose="020B0604020202020204" pitchFamily="34" charset="0"/>
-              <a:buChar char="•"/>
-              <a:defRPr sz="1800" kern="1200">
-                <a:solidFill>
-                  <a:schemeClr val="tx1"/>
-                </a:solidFill>
-                <a:latin typeface="+mn-lt"/>
-                <a:ea typeface="+mn-ea"/>
-                <a:cs typeface="+mn-cs"/>
-              </a:defRPr>
-            </a:lvl7pPr>
-            <a:lvl8pPr marL="3428914" indent="-228594" algn="l" defTabSz="914377" rtl="0" eaLnBrk="1" latinLnBrk="0" hangingPunct="1">
-              <a:lnSpc>
-                <a:spcPct val="90000"/>
-              </a:lnSpc>
-              <a:spcBef>
-                <a:spcPts val="500"/>
-              </a:spcBef>
-              <a:buFont typeface="Arial" panose="020B0604020202020204" pitchFamily="34" charset="0"/>
-              <a:buChar char="•"/>
-              <a:defRPr sz="1800" kern="1200">
-                <a:solidFill>
-                  <a:schemeClr val="tx1"/>
-                </a:solidFill>
-                <a:latin typeface="+mn-lt"/>
-                <a:ea typeface="+mn-ea"/>
-                <a:cs typeface="+mn-cs"/>
-              </a:defRPr>
-            </a:lvl8pPr>
-            <a:lvl9pPr marL="3886103" indent="-228594" algn="l" defTabSz="914377" rtl="0" eaLnBrk="1" latinLnBrk="0" hangingPunct="1">
-              <a:lnSpc>
-                <a:spcPct val="90000"/>
-              </a:lnSpc>
-              <a:spcBef>
-                <a:spcPts val="500"/>
-              </a:spcBef>
-              <a:buFont typeface="Arial" panose="020B0604020202020204" pitchFamily="34" charset="0"/>
-              <a:buChar char="•"/>
-              <a:defRPr sz="1800" kern="1200">
-                <a:solidFill>
-                  <a:schemeClr val="tx1"/>
-                </a:solidFill>
-                <a:latin typeface="+mn-lt"/>
-                <a:ea typeface="+mn-ea"/>
-                <a:cs typeface="+mn-cs"/>
-              </a:defRPr>
-            </a:lvl9pPr>
-          </a:lstStyle>
-          <a:p>
-            <a:pPr marL="6350"/>
-            <a:r>
-              <a:rPr lang="de-CH" sz="2000"/>
-              <a:t>Given </a:t>
-            </a:r>
-            <a:r>
-              <a:rPr lang="de-CH" sz="2000" err="1"/>
-              <a:t>enough</a:t>
-            </a:r>
-            <a:r>
-              <a:rPr lang="de-CH" sz="2000"/>
-              <a:t> </a:t>
-            </a:r>
-            <a:r>
-              <a:rPr lang="de-CH" sz="2000" err="1"/>
-              <a:t>eyeballs</a:t>
-            </a:r>
-            <a:r>
-              <a:rPr lang="de-CH" sz="2000"/>
-              <a:t>, all </a:t>
-            </a:r>
-            <a:r>
-              <a:rPr lang="de-CH" sz="2000" err="1"/>
-              <a:t>bugs</a:t>
-            </a:r>
-            <a:r>
-              <a:rPr lang="de-CH" sz="2000"/>
-              <a:t> </a:t>
-            </a:r>
-            <a:r>
-              <a:rPr lang="de-CH" sz="2000" err="1"/>
-              <a:t>are</a:t>
-            </a:r>
-            <a:r>
-              <a:rPr lang="de-CH" sz="2000"/>
-              <a:t> </a:t>
-            </a:r>
-            <a:r>
-              <a:rPr lang="de-CH" sz="2000" err="1"/>
-              <a:t>shallow</a:t>
-            </a:r>
-            <a:endParaRPr lang="de-CH" sz="2000"/>
-          </a:p>
-          <a:p>
-            <a:pPr marL="6350"/>
-            <a:r>
-              <a:rPr lang="de-CH" sz="2000"/>
-              <a:t>- </a:t>
-            </a:r>
-            <a:r>
-              <a:rPr lang="de-CH" sz="2000" err="1"/>
-              <a:t>Linus’s</a:t>
-            </a:r>
-            <a:r>
-              <a:rPr lang="de-CH" sz="2000"/>
-              <a:t> Law</a:t>
-            </a:r>
-          </a:p>
-          <a:p>
-            <a:pPr marL="6350"/>
-            <a:endParaRPr lang="de-CH" sz="2000"/>
-          </a:p>
-        </p:txBody>
-      </p:sp>
-      <p:sp>
-        <p:nvSpPr>
-          <p:cNvPr id="8" name="Inhaltsplatzhalter 6">
-            <a:extLst>
-              <a:ext uri="{FF2B5EF4-FFF2-40B4-BE49-F238E27FC236}">
-                <a16:creationId xmlns:a16="http://schemas.microsoft.com/office/drawing/2014/main" id="{737A91E1-235D-A461-0481-93D74595A9D6}"/>
-              </a:ext>
-            </a:extLst>
-          </p:cNvPr>
-          <p:cNvSpPr txBox="1">
-            <a:spLocks/>
-          </p:cNvSpPr>
-          <p:nvPr/>
-        </p:nvSpPr>
-        <p:spPr>
-          <a:xfrm>
-            <a:off x="5292080" y="2294891"/>
-            <a:ext cx="4032000" cy="864096"/>
-          </a:xfrm>
-          <a:prstGeom prst="rect">
-            <a:avLst/>
-          </a:prstGeom>
-        </p:spPr>
-        <p:txBody>
-          <a:bodyPr lIns="0" tIns="0" rIns="0" bIns="0"/>
-          <a:lstStyle>
-            <a:lvl1pPr marL="268288" indent="-261938" algn="l" defTabSz="914377" rtl="0" eaLnBrk="1" latinLnBrk="0" hangingPunct="1">
-              <a:lnSpc>
-                <a:spcPct val="100000"/>
-              </a:lnSpc>
-              <a:spcBef>
-                <a:spcPts val="600"/>
-              </a:spcBef>
-              <a:buFont typeface="Symbol" pitchFamily="2" charset="2"/>
-              <a:buChar char="-"/>
-              <a:tabLst/>
-              <a:defRPr sz="2000" kern="1200">
-                <a:solidFill>
-                  <a:schemeClr val="tx1"/>
-                </a:solidFill>
-                <a:latin typeface="Arial" panose="020B0604020202020204" pitchFamily="34" charset="0"/>
-                <a:ea typeface="+mn-ea"/>
-                <a:cs typeface="Arial" panose="020B0604020202020204" pitchFamily="34" charset="0"/>
-              </a:defRPr>
-            </a:lvl1pPr>
-            <a:lvl2pPr marL="541338" indent="-261938" algn="l" defTabSz="914377" rtl="0" eaLnBrk="1" latinLnBrk="0" hangingPunct="1">
-              <a:lnSpc>
-                <a:spcPct val="90000"/>
-              </a:lnSpc>
-              <a:spcBef>
-                <a:spcPts val="600"/>
-              </a:spcBef>
-              <a:buFont typeface="Symbol" pitchFamily="2" charset="2"/>
-              <a:buChar char="-"/>
-              <a:tabLst/>
-              <a:defRPr sz="1800" kern="1200">
-                <a:solidFill>
-                  <a:schemeClr val="tx1"/>
-                </a:solidFill>
-                <a:latin typeface="Arial" panose="020B0604020202020204" pitchFamily="34" charset="0"/>
-                <a:ea typeface="+mn-ea"/>
-                <a:cs typeface="Arial" panose="020B0604020202020204" pitchFamily="34" charset="0"/>
-              </a:defRPr>
-            </a:lvl2pPr>
-            <a:lvl3pPr marL="666750" indent="-222250" algn="l" defTabSz="914377" rtl="0" eaLnBrk="1" latinLnBrk="0" hangingPunct="1">
-              <a:lnSpc>
-                <a:spcPct val="100000"/>
-              </a:lnSpc>
-              <a:spcBef>
-                <a:spcPts val="600"/>
-              </a:spcBef>
-              <a:buFont typeface="Symbol" pitchFamily="2" charset="2"/>
-              <a:buChar char="-"/>
-              <a:tabLst/>
-              <a:defRPr sz="1600" kern="1200">
-                <a:solidFill>
-                  <a:schemeClr val="tx1"/>
-                </a:solidFill>
-                <a:latin typeface="Arial" panose="020B0604020202020204" pitchFamily="34" charset="0"/>
-                <a:ea typeface="+mn-ea"/>
-                <a:cs typeface="Arial" panose="020B0604020202020204" pitchFamily="34" charset="0"/>
-              </a:defRPr>
-            </a:lvl3pPr>
-            <a:lvl4pPr marL="1069975" indent="-180975" algn="l" defTabSz="914377" rtl="0" eaLnBrk="1" latinLnBrk="0" hangingPunct="1">
-              <a:lnSpc>
-                <a:spcPct val="100000"/>
-              </a:lnSpc>
-              <a:spcBef>
-                <a:spcPts val="600"/>
-              </a:spcBef>
-              <a:buFont typeface="Symbol" pitchFamily="2" charset="2"/>
-              <a:buChar char="-"/>
-              <a:tabLst/>
-              <a:defRPr sz="1400" kern="1200">
-                <a:solidFill>
-                  <a:schemeClr val="tx1"/>
-                </a:solidFill>
-                <a:latin typeface="Arial" panose="020B0604020202020204" pitchFamily="34" charset="0"/>
-                <a:ea typeface="+mn-ea"/>
-                <a:cs typeface="Arial" panose="020B0604020202020204" pitchFamily="34" charset="0"/>
-              </a:defRPr>
-            </a:lvl4pPr>
-            <a:lvl5pPr marL="1828800" indent="0" algn="l" defTabSz="914377" rtl="0" eaLnBrk="1" latinLnBrk="0" hangingPunct="1">
-              <a:lnSpc>
-                <a:spcPct val="90000"/>
-              </a:lnSpc>
-              <a:spcBef>
-                <a:spcPts val="500"/>
-              </a:spcBef>
-              <a:buFont typeface="Arial" panose="020B0604020202020204" pitchFamily="34" charset="0"/>
-              <a:buNone/>
-              <a:defRPr sz="1800" kern="1200">
-                <a:solidFill>
-                  <a:schemeClr val="tx1"/>
-                </a:solidFill>
-                <a:latin typeface="+mn-lt"/>
-                <a:ea typeface="+mn-ea"/>
-                <a:cs typeface="+mn-cs"/>
-              </a:defRPr>
-            </a:lvl5pPr>
-            <a:lvl6pPr marL="2514537" indent="-228594" algn="l" defTabSz="914377" rtl="0" eaLnBrk="1" latinLnBrk="0" hangingPunct="1">
-              <a:lnSpc>
-                <a:spcPct val="90000"/>
-              </a:lnSpc>
-              <a:spcBef>
-                <a:spcPts val="500"/>
-              </a:spcBef>
-              <a:buFont typeface="Arial" panose="020B0604020202020204" pitchFamily="34" charset="0"/>
-              <a:buChar char="•"/>
-              <a:defRPr sz="1800" kern="1200">
-                <a:solidFill>
-                  <a:schemeClr val="tx1"/>
-                </a:solidFill>
-                <a:latin typeface="+mn-lt"/>
-                <a:ea typeface="+mn-ea"/>
-                <a:cs typeface="+mn-cs"/>
-              </a:defRPr>
-            </a:lvl6pPr>
-            <a:lvl7pPr marL="2971726" indent="-228594" algn="l" defTabSz="914377" rtl="0" eaLnBrk="1" latinLnBrk="0" hangingPunct="1">
-              <a:lnSpc>
-                <a:spcPct val="90000"/>
-              </a:lnSpc>
-              <a:spcBef>
-                <a:spcPts val="500"/>
-              </a:spcBef>
-              <a:buFont typeface="Arial" panose="020B0604020202020204" pitchFamily="34" charset="0"/>
-              <a:buChar char="•"/>
-              <a:defRPr sz="1800" kern="1200">
-                <a:solidFill>
-                  <a:schemeClr val="tx1"/>
-                </a:solidFill>
-                <a:latin typeface="+mn-lt"/>
-                <a:ea typeface="+mn-ea"/>
-                <a:cs typeface="+mn-cs"/>
-              </a:defRPr>
-            </a:lvl7pPr>
-            <a:lvl8pPr marL="3428914" indent="-228594" algn="l" defTabSz="914377" rtl="0" eaLnBrk="1" latinLnBrk="0" hangingPunct="1">
-              <a:lnSpc>
-                <a:spcPct val="90000"/>
-              </a:lnSpc>
-              <a:spcBef>
-                <a:spcPts val="500"/>
-              </a:spcBef>
-              <a:buFont typeface="Arial" panose="020B0604020202020204" pitchFamily="34" charset="0"/>
-              <a:buChar char="•"/>
-              <a:defRPr sz="1800" kern="1200">
-                <a:solidFill>
-                  <a:schemeClr val="tx1"/>
-                </a:solidFill>
-                <a:latin typeface="+mn-lt"/>
-                <a:ea typeface="+mn-ea"/>
-                <a:cs typeface="+mn-cs"/>
-              </a:defRPr>
-            </a:lvl8pPr>
-            <a:lvl9pPr marL="3886103" indent="-228594" algn="l" defTabSz="914377" rtl="0" eaLnBrk="1" latinLnBrk="0" hangingPunct="1">
-              <a:lnSpc>
-                <a:spcPct val="90000"/>
-              </a:lnSpc>
-              <a:spcBef>
-                <a:spcPts val="500"/>
-              </a:spcBef>
-              <a:buFont typeface="Arial" panose="020B0604020202020204" pitchFamily="34" charset="0"/>
-              <a:buChar char="•"/>
-              <a:defRPr sz="1800" kern="1200">
-                <a:solidFill>
-                  <a:schemeClr val="tx1"/>
-                </a:solidFill>
-                <a:latin typeface="+mn-lt"/>
-                <a:ea typeface="+mn-ea"/>
-                <a:cs typeface="+mn-cs"/>
-              </a:defRPr>
-            </a:lvl9pPr>
-          </a:lstStyle>
-          <a:p>
-            <a:pPr marL="6350" indent="0">
-              <a:buNone/>
-            </a:pPr>
-            <a:r>
-              <a:rPr lang="de-CH"/>
-              <a:t>Heartbleed</a:t>
-            </a:r>
-          </a:p>
-          <a:p>
-            <a:pPr marL="6350" indent="0">
-              <a:buNone/>
-            </a:pPr>
-            <a:r>
-              <a:rPr lang="de-CH" err="1">
-                <a:effectLst/>
-                <a:latin typeface="Arial" panose="020B0604020202020204" pitchFamily="34" charset="0"/>
-              </a:rPr>
-              <a:t>Shellshock</a:t>
-            </a:r>
-            <a:endParaRPr lang="de-CH"/>
-          </a:p>
-        </p:txBody>
-      </p:sp>
-      <p:sp>
-        <p:nvSpPr>
-          <p:cNvPr id="9" name="Gewitterblitz 8">
-            <a:extLst>
-              <a:ext uri="{FF2B5EF4-FFF2-40B4-BE49-F238E27FC236}">
-                <a16:creationId xmlns:a16="http://schemas.microsoft.com/office/drawing/2014/main" id="{C029A154-7F96-8436-50F4-361A30359E07}"/>
-              </a:ext>
-            </a:extLst>
-          </p:cNvPr>
-          <p:cNvSpPr/>
-          <p:nvPr/>
-        </p:nvSpPr>
-        <p:spPr>
-          <a:xfrm rot="2228532">
-            <a:off x="4572000" y="2355726"/>
-            <a:ext cx="514874" cy="864096"/>
-          </a:xfrm>
-          <a:prstGeom prst="lightningBolt">
-            <a:avLst/>
-          </a:prstGeom>
-        </p:spPr>
-        <p:style>
-          <a:lnRef idx="2">
-            <a:schemeClr val="accent1">
-              <a:shade val="50000"/>
-            </a:schemeClr>
-          </a:lnRef>
-          <a:fillRef idx="1">
-            <a:schemeClr val="accent1"/>
-          </a:fillRef>
-          <a:effectRef idx="0">
-            <a:schemeClr val="accent1"/>
-          </a:effectRef>
-          <a:fontRef idx="minor">
-            <a:schemeClr val="lt1"/>
-          </a:fontRef>
-        </p:style>
-        <p:txBody>
-          <a:bodyPr rtlCol="0" anchor="ctr"/>
-          <a:lstStyle/>
-          <a:p>
-            <a:pPr algn="ctr"/>
-            <a:endParaRPr lang="de-DE"/>
-          </a:p>
-        </p:txBody>
-      </p:sp>
+      </p:pic>
     </p:spTree>
     <p:extLst>
       <p:ext uri="{BB962C8B-B14F-4D97-AF65-F5344CB8AC3E}">
-        <p14:creationId xmlns:p14="http://schemas.microsoft.com/office/powerpoint/2010/main" val="2474639680"/>
+        <p14:creationId xmlns:p14="http://schemas.microsoft.com/office/powerpoint/2010/main" val="2149013250"/>
       </p:ext>
     </p:extLst>
   </p:cSld>
@@ -9260,7 +8505,7 @@
     </p:spTree>
     <p:extLst>
       <p:ext uri="{BB962C8B-B14F-4D97-AF65-F5344CB8AC3E}">
-        <p14:creationId xmlns:p14="http://schemas.microsoft.com/office/powerpoint/2010/main" val="2149013250"/>
+        <p14:creationId xmlns:p14="http://schemas.microsoft.com/office/powerpoint/2010/main" val="370928057"/>
       </p:ext>
     </p:extLst>
   </p:cSld>
@@ -10041,128 +9286,39 @@
           <a:p>
             <a:r>
               <a:rPr lang="de-CH" dirty="0"/>
-              <a:t>Security </a:t>
-            </a:r>
-            <a:r>
-              <a:rPr lang="de-CH" dirty="0" err="1"/>
-              <a:t>departement</a:t>
-            </a:r>
+              <a:t>Security Abteilung</a:t>
+            </a:r>
+          </a:p>
+          <a:p>
             <a:endParaRPr lang="de-CH" dirty="0"/>
           </a:p>
           <a:p>
+            <a:pPr marL="6350" indent="0">
+              <a:buNone/>
+            </a:pPr>
             <a:endParaRPr lang="de-CH" dirty="0"/>
           </a:p>
           <a:p>
             <a:r>
-              <a:rPr lang="de-CH" dirty="0" err="1"/>
-              <a:t>Verification</a:t>
-            </a:r>
+              <a:rPr lang="de-DE" dirty="0"/>
+              <a:t>Überprüfung der Software vor der Bereitstellung</a:t>
+            </a:r>
+            <a:endParaRPr lang="de-CH" dirty="0"/>
+          </a:p>
+          <a:p>
+            <a:r>
+              <a:rPr lang="de-DE" dirty="0"/>
+              <a:t>Überprüfung der Software im laufenden Einsatz</a:t>
+            </a:r>
+            <a:endParaRPr lang="de-CH" dirty="0"/>
+          </a:p>
+          <a:p>
             <a:r>
               <a:rPr lang="de-CH" dirty="0"/>
-              <a:t> </a:t>
-            </a:r>
-            <a:r>
-              <a:rPr lang="de-CH" dirty="0" err="1"/>
-              <a:t>of</a:t>
-            </a:r>
-            <a:r>
-              <a:rPr lang="de-CH" dirty="0"/>
-              <a:t> </a:t>
-            </a:r>
-            <a:r>
-              <a:rPr lang="de-CH" dirty="0" err="1"/>
-              <a:t>running</a:t>
-            </a:r>
-            <a:r>
-              <a:rPr lang="de-CH" dirty="0"/>
-              <a:t> </a:t>
-            </a:r>
-            <a:r>
-              <a:rPr lang="de-CH" dirty="0" err="1"/>
-              <a:t>deployements</a:t>
-            </a:r>
-            <a:endParaRPr lang="de-CH" dirty="0"/>
-          </a:p>
-          <a:p>
-            <a:r>
-              <a:rPr lang="de-CH" dirty="0"/>
-              <a:t>Examination </a:t>
-            </a:r>
-            <a:r>
-              <a:rPr lang="de-CH" dirty="0" err="1"/>
-              <a:t>of</a:t>
-            </a:r>
-            <a:r>
-              <a:rPr lang="de-CH" dirty="0"/>
-              <a:t> </a:t>
-            </a:r>
-            <a:r>
-              <a:rPr lang="de-CH" dirty="0" err="1"/>
-              <a:t>security</a:t>
-            </a:r>
-            <a:r>
-              <a:rPr lang="de-CH" dirty="0"/>
-              <a:t> </a:t>
-            </a:r>
-            <a:r>
-              <a:rPr lang="de-CH" dirty="0" err="1"/>
-              <a:t>threats</a:t>
-            </a:r>
-            <a:endParaRPr lang="de-CH" dirty="0"/>
-          </a:p>
-          <a:p>
-            <a:r>
-              <a:rPr lang="de-CH" dirty="0" err="1"/>
-              <a:t>Verification</a:t>
-            </a:r>
-            <a:r>
-              <a:rPr lang="de-CH" dirty="0"/>
-              <a:t> </a:t>
-            </a:r>
-            <a:r>
-              <a:rPr lang="de-CH" dirty="0" err="1"/>
-              <a:t>of</a:t>
-            </a:r>
-            <a:r>
-              <a:rPr lang="de-CH" dirty="0"/>
-              <a:t> </a:t>
-            </a:r>
-            <a:r>
-              <a:rPr lang="de-CH" dirty="0" err="1"/>
-              <a:t>deployments</a:t>
-            </a:r>
-            <a:r>
-              <a:rPr lang="de-CH" dirty="0"/>
-              <a:t> </a:t>
-            </a:r>
-            <a:r>
-              <a:rPr lang="de-CH" dirty="0" err="1"/>
-              <a:t>before</a:t>
-            </a:r>
-            <a:r>
-              <a:rPr lang="de-CH" dirty="0"/>
-              <a:t> </a:t>
-            </a:r>
-            <a:r>
-              <a:rPr lang="de-CH" dirty="0" err="1"/>
-              <a:t>they</a:t>
-            </a:r>
-            <a:r>
-              <a:rPr lang="de-CH" dirty="0"/>
-              <a:t> </a:t>
-            </a:r>
-            <a:r>
-              <a:rPr lang="de-CH" dirty="0" err="1"/>
-              <a:t>become</a:t>
-            </a:r>
-            <a:r>
-              <a:rPr lang="de-CH" dirty="0"/>
-              <a:t> </a:t>
-            </a:r>
-            <a:r>
-              <a:rPr lang="de-CH" dirty="0" err="1"/>
-              <a:t>productive</a:t>
-            </a:r>
+              <a:t>Untersuchung von Sicherheitsbedrohungen</a:t>
+            </a:r>
+          </a:p>
+          <a:p>
             <a:endParaRPr lang="de-CH" dirty="0"/>
           </a:p>
         </p:txBody>

--- a/Vortrag/Gruppenpräsentation Sicherheit bei Open Source Projekten.pptx
+++ b/Vortrag/Gruppenpräsentation Sicherheit bei Open Source Projekten.pptx
@@ -7740,15 +7740,7 @@
             <a:pPr lvl="1"/>
             <a:r>
               <a:rPr lang="de-DE" dirty="0"/>
-              <a:t>Sicherheitsstandards &amp; Best </a:t>
-            </a:r>
-            <a:r>
-              <a:rPr lang="de-DE"/>
-              <a:t>Practices bester </a:t>
-            </a:r>
-            <a:r>
-              <a:rPr lang="de-DE" dirty="0"/>
-              <a:t>Ansatz für robuste Software</a:t>
+              <a:t>Sicherheitsstandards &amp; Best Practices bester Ansatz für robuste Software</a:t>
             </a:r>
             <a:endParaRPr lang="de-CH" dirty="0"/>
           </a:p>
